--- a/Soutenance demonstration P3.pptx
+++ b/Soutenance demonstration P3.pptx
@@ -8,7 +8,7 @@
     <p:sldId id="256" r:id="rId2"/>
     <p:sldId id="257" r:id="rId3"/>
     <p:sldId id="258" r:id="rId4"/>
-    <p:sldId id="260" r:id="rId5"/>
+    <p:sldId id="263" r:id="rId5"/>
     <p:sldId id="261" r:id="rId6"/>
   </p:sldIdLst>
   <p:sldSz cx="12192000" cy="6858000"/>
@@ -307,7 +307,7 @@
           <a:p>
             <a:fld id="{E03DDFCC-FA46-4635-93A0-AD83D656EDBA}" type="datetimeFigureOut">
               <a:rPr lang="fr-FR" smtClean="0"/>
-              <a:t>19/02/2024</a:t>
+              <a:t>20/02/2024</a:t>
             </a:fld>
             <a:endParaRPr lang="fr-FR"/>
           </a:p>
@@ -743,7 +743,7 @@
           <a:p>
             <a:fld id="{E03DDFCC-FA46-4635-93A0-AD83D656EDBA}" type="datetimeFigureOut">
               <a:rPr lang="fr-FR" smtClean="0"/>
-              <a:t>19/02/2024</a:t>
+              <a:t>20/02/2024</a:t>
             </a:fld>
             <a:endParaRPr lang="fr-FR"/>
           </a:p>
@@ -993,7 +993,7 @@
           <a:p>
             <a:fld id="{E03DDFCC-FA46-4635-93A0-AD83D656EDBA}" type="datetimeFigureOut">
               <a:rPr lang="fr-FR" smtClean="0"/>
-              <a:t>19/02/2024</a:t>
+              <a:t>20/02/2024</a:t>
             </a:fld>
             <a:endParaRPr lang="fr-FR"/>
           </a:p>
@@ -1301,7 +1301,7 @@
           <a:p>
             <a:fld id="{E03DDFCC-FA46-4635-93A0-AD83D656EDBA}" type="datetimeFigureOut">
               <a:rPr lang="fr-FR" smtClean="0"/>
-              <a:t>19/02/2024</a:t>
+              <a:t>20/02/2024</a:t>
             </a:fld>
             <a:endParaRPr lang="fr-FR"/>
           </a:p>
@@ -1619,7 +1619,7 @@
           <a:p>
             <a:fld id="{E03DDFCC-FA46-4635-93A0-AD83D656EDBA}" type="datetimeFigureOut">
               <a:rPr lang="fr-FR" smtClean="0"/>
-              <a:t>19/02/2024</a:t>
+              <a:t>20/02/2024</a:t>
             </a:fld>
             <a:endParaRPr lang="fr-FR"/>
           </a:p>
@@ -1921,7 +1921,7 @@
           <a:p>
             <a:fld id="{E03DDFCC-FA46-4635-93A0-AD83D656EDBA}" type="datetimeFigureOut">
               <a:rPr lang="fr-FR" smtClean="0"/>
-              <a:t>19/02/2024</a:t>
+              <a:t>20/02/2024</a:t>
             </a:fld>
             <a:endParaRPr lang="fr-FR"/>
           </a:p>
@@ -2288,7 +2288,7 @@
           <a:p>
             <a:fld id="{E03DDFCC-FA46-4635-93A0-AD83D656EDBA}" type="datetimeFigureOut">
               <a:rPr lang="fr-FR" smtClean="0"/>
-              <a:t>19/02/2024</a:t>
+              <a:t>20/02/2024</a:t>
             </a:fld>
             <a:endParaRPr lang="fr-FR"/>
           </a:p>
@@ -2462,7 +2462,7 @@
           <a:p>
             <a:fld id="{E03DDFCC-FA46-4635-93A0-AD83D656EDBA}" type="datetimeFigureOut">
               <a:rPr lang="fr-FR" smtClean="0"/>
-              <a:t>19/02/2024</a:t>
+              <a:t>20/02/2024</a:t>
             </a:fld>
             <a:endParaRPr lang="fr-FR"/>
           </a:p>
@@ -2642,7 +2642,7 @@
           <a:p>
             <a:fld id="{E03DDFCC-FA46-4635-93A0-AD83D656EDBA}" type="datetimeFigureOut">
               <a:rPr lang="fr-FR" smtClean="0"/>
-              <a:t>19/02/2024</a:t>
+              <a:t>20/02/2024</a:t>
             </a:fld>
             <a:endParaRPr lang="fr-FR"/>
           </a:p>
@@ -2812,7 +2812,7 @@
           <a:p>
             <a:fld id="{E03DDFCC-FA46-4635-93A0-AD83D656EDBA}" type="datetimeFigureOut">
               <a:rPr lang="fr-FR" smtClean="0"/>
-              <a:t>19/02/2024</a:t>
+              <a:t>20/02/2024</a:t>
             </a:fld>
             <a:endParaRPr lang="fr-FR"/>
           </a:p>
@@ -3062,7 +3062,7 @@
           <a:p>
             <a:fld id="{E03DDFCC-FA46-4635-93A0-AD83D656EDBA}" type="datetimeFigureOut">
               <a:rPr lang="fr-FR" smtClean="0"/>
-              <a:t>19/02/2024</a:t>
+              <a:t>20/02/2024</a:t>
             </a:fld>
             <a:endParaRPr lang="fr-FR"/>
           </a:p>
@@ -3298,7 +3298,7 @@
           <a:p>
             <a:fld id="{E03DDFCC-FA46-4635-93A0-AD83D656EDBA}" type="datetimeFigureOut">
               <a:rPr lang="fr-FR" smtClean="0"/>
-              <a:t>19/02/2024</a:t>
+              <a:t>20/02/2024</a:t>
             </a:fld>
             <a:endParaRPr lang="fr-FR"/>
           </a:p>
@@ -3680,7 +3680,7 @@
           <a:p>
             <a:fld id="{E03DDFCC-FA46-4635-93A0-AD83D656EDBA}" type="datetimeFigureOut">
               <a:rPr lang="fr-FR" smtClean="0"/>
-              <a:t>19/02/2024</a:t>
+              <a:t>20/02/2024</a:t>
             </a:fld>
             <a:endParaRPr lang="fr-FR"/>
           </a:p>
@@ -3798,7 +3798,7 @@
           <a:p>
             <a:fld id="{E03DDFCC-FA46-4635-93A0-AD83D656EDBA}" type="datetimeFigureOut">
               <a:rPr lang="fr-FR" smtClean="0"/>
-              <a:t>19/02/2024</a:t>
+              <a:t>20/02/2024</a:t>
             </a:fld>
             <a:endParaRPr lang="fr-FR"/>
           </a:p>
@@ -3893,7 +3893,7 @@
           <a:p>
             <a:fld id="{E03DDFCC-FA46-4635-93A0-AD83D656EDBA}" type="datetimeFigureOut">
               <a:rPr lang="fr-FR" smtClean="0"/>
-              <a:t>19/02/2024</a:t>
+              <a:t>20/02/2024</a:t>
             </a:fld>
             <a:endParaRPr lang="fr-FR"/>
           </a:p>
@@ -4148,7 +4148,7 @@
           <a:p>
             <a:fld id="{E03DDFCC-FA46-4635-93A0-AD83D656EDBA}" type="datetimeFigureOut">
               <a:rPr lang="fr-FR" smtClean="0"/>
-              <a:t>19/02/2024</a:t>
+              <a:t>20/02/2024</a:t>
             </a:fld>
             <a:endParaRPr lang="fr-FR"/>
           </a:p>
@@ -4431,7 +4431,7 @@
           <a:p>
             <a:fld id="{E03DDFCC-FA46-4635-93A0-AD83D656EDBA}" type="datetimeFigureOut">
               <a:rPr lang="fr-FR" smtClean="0"/>
-              <a:t>19/02/2024</a:t>
+              <a:t>20/02/2024</a:t>
             </a:fld>
             <a:endParaRPr lang="fr-FR"/>
           </a:p>
@@ -4837,7 +4837,7 @@
           <a:p>
             <a:fld id="{E03DDFCC-FA46-4635-93A0-AD83D656EDBA}" type="datetimeFigureOut">
               <a:rPr lang="fr-FR" smtClean="0"/>
-              <a:t>19/02/2024</a:t>
+              <a:t>20/02/2024</a:t>
             </a:fld>
             <a:endParaRPr lang="fr-FR"/>
           </a:p>
@@ -5468,15 +5468,7 @@
                   <a:schemeClr val="tx2"/>
                 </a:solidFill>
               </a:rPr>
-              <a:t>– Développeur </a:t>
-            </a:r>
-            <a:r>
-              <a:rPr lang="fr-FR" dirty="0" smtClean="0">
-                <a:solidFill>
-                  <a:schemeClr val="tx2"/>
-                </a:solidFill>
-              </a:rPr>
-              <a:t>d’application –JavaScript </a:t>
+              <a:t>– Développeur d’application –JavaScript </a:t>
             </a:r>
             <a:r>
               <a:rPr lang="fr-FR" dirty="0" err="1" smtClean="0">
@@ -5946,7 +5938,6 @@
               <a:rPr lang="fr-FR" dirty="0" smtClean="0"/>
               <a:t>Paul</a:t>
             </a:r>
-            <a:endParaRPr lang="fr-FR" dirty="0" smtClean="0"/>
           </a:p>
           <a:p>
             <a:pPr algn="ctr"/>
@@ -6107,7 +6098,6 @@
               <a:rPr lang="fr-FR" dirty="0" smtClean="0"/>
               <a:t>projet complet</a:t>
             </a:r>
-            <a:endParaRPr lang="fr-FR" dirty="0" smtClean="0"/>
           </a:p>
           <a:p>
             <a:pPr marL="285750" indent="-285750" algn="ctr">
@@ -6365,7 +6355,7 @@
         </p:nvSpPr>
         <p:spPr>
           <a:xfrm>
-            <a:off x="5798078" y="1"/>
+            <a:off x="5798078" y="0"/>
             <a:ext cx="6393922" cy="6858000"/>
           </a:xfrm>
           <a:prstGeom prst="rect">
@@ -6415,7 +6405,7 @@
         </p:nvSpPr>
         <p:spPr>
           <a:xfrm>
-            <a:off x="6026678" y="2675467"/>
+            <a:off x="6078929" y="2675467"/>
             <a:ext cx="2685521" cy="1507067"/>
           </a:xfrm>
           <a:prstGeom prst="rect">
@@ -6512,10 +6502,121 @@
           </a:p>
         </p:txBody>
       </p:sp>
+      <p:sp>
+        <p:nvSpPr>
+          <p:cNvPr id="6" name="Titre 1"/>
+          <p:cNvSpPr txBox="1">
+            <a:spLocks/>
+          </p:cNvSpPr>
+          <p:nvPr/>
+        </p:nvSpPr>
+        <p:spPr>
+          <a:xfrm>
+            <a:off x="6078928" y="3429000"/>
+            <a:ext cx="2685521" cy="1507067"/>
+          </a:xfrm>
+          <a:prstGeom prst="rect">
+            <a:avLst/>
+          </a:prstGeom>
+          <a:effectLst/>
+        </p:spPr>
+        <p:txBody>
+          <a:bodyPr vert="horz" lIns="91440" tIns="45720" rIns="91440" bIns="45720" rtlCol="0" anchor="ctr">
+            <a:normAutofit/>
+          </a:bodyPr>
+          <a:lstStyle>
+            <a:lvl1pPr algn="l" defTabSz="457200" rtl="0" eaLnBrk="1" latinLnBrk="0" hangingPunct="1">
+              <a:spcBef>
+                <a:spcPct val="0"/>
+              </a:spcBef>
+              <a:buNone/>
+              <a:defRPr sz="3600" kern="1200" cap="all">
+                <a:ln w="3175" cmpd="sng">
+                  <a:noFill/>
+                </a:ln>
+                <a:solidFill>
+                  <a:schemeClr val="tx1"/>
+                </a:solidFill>
+                <a:effectLst/>
+                <a:latin typeface="+mj-lt"/>
+                <a:ea typeface="+mj-ea"/>
+                <a:cs typeface="+mj-cs"/>
+              </a:defRPr>
+            </a:lvl1pPr>
+            <a:lvl2pPr eaLnBrk="1" hangingPunct="1">
+              <a:defRPr>
+                <a:solidFill>
+                  <a:schemeClr val="tx2"/>
+                </a:solidFill>
+              </a:defRPr>
+            </a:lvl2pPr>
+            <a:lvl3pPr eaLnBrk="1" hangingPunct="1">
+              <a:defRPr>
+                <a:solidFill>
+                  <a:schemeClr val="tx2"/>
+                </a:solidFill>
+              </a:defRPr>
+            </a:lvl3pPr>
+            <a:lvl4pPr eaLnBrk="1" hangingPunct="1">
+              <a:defRPr>
+                <a:solidFill>
+                  <a:schemeClr val="tx2"/>
+                </a:solidFill>
+              </a:defRPr>
+            </a:lvl4pPr>
+            <a:lvl5pPr eaLnBrk="1" hangingPunct="1">
+              <a:defRPr>
+                <a:solidFill>
+                  <a:schemeClr val="tx2"/>
+                </a:solidFill>
+              </a:defRPr>
+            </a:lvl5pPr>
+            <a:lvl6pPr eaLnBrk="1" hangingPunct="1">
+              <a:defRPr>
+                <a:solidFill>
+                  <a:schemeClr val="tx2"/>
+                </a:solidFill>
+              </a:defRPr>
+            </a:lvl6pPr>
+            <a:lvl7pPr eaLnBrk="1" hangingPunct="1">
+              <a:defRPr>
+                <a:solidFill>
+                  <a:schemeClr val="tx2"/>
+                </a:solidFill>
+              </a:defRPr>
+            </a:lvl7pPr>
+            <a:lvl8pPr eaLnBrk="1" hangingPunct="1">
+              <a:defRPr>
+                <a:solidFill>
+                  <a:schemeClr val="tx2"/>
+                </a:solidFill>
+              </a:defRPr>
+            </a:lvl8pPr>
+            <a:lvl9pPr eaLnBrk="1" hangingPunct="1">
+              <a:defRPr>
+                <a:solidFill>
+                  <a:schemeClr val="tx2"/>
+                </a:solidFill>
+              </a:defRPr>
+            </a:lvl9pPr>
+          </a:lstStyle>
+          <a:p>
+            <a:r>
+              <a:rPr lang="fr-FR" dirty="0" smtClean="0"/>
+              <a:t>Du </a:t>
+            </a:r>
+            <a:r>
+              <a:rPr lang="fr-FR" dirty="0" smtClean="0"/>
+              <a:t>Site</a:t>
+            </a:r>
+            <a:endParaRPr lang="fr-FR" dirty="0"/>
+          </a:p>
+        </p:txBody>
+      </p:sp>
     </p:spTree>
     <p:extLst>
       <p:ext uri="{BB962C8B-B14F-4D97-AF65-F5344CB8AC3E}">
-        <p14:creationId xmlns:p14="http://schemas.microsoft.com/office/powerpoint/2010/main" val="2640790090"/>
+        <p14:creationId xmlns:p14="http://schemas.microsoft.com/office/powerpoint/2010/main" val="3546018168"/>
       </p:ext>
     </p:extLst>
   </p:cSld>
